--- a/PowerPoint./Phase 2 Pre Presentation.pptx
+++ b/PowerPoint./Phase 2 Pre Presentation.pptx
@@ -13,9 +13,10 @@
     <p:sldId id="266" r:id="rId7"/>
     <p:sldId id="257" r:id="rId8"/>
     <p:sldId id="258" r:id="rId9"/>
-    <p:sldId id="259" r:id="rId10"/>
-    <p:sldId id="260" r:id="rId11"/>
-    <p:sldId id="261" r:id="rId12"/>
+    <p:sldId id="267" r:id="rId10"/>
+    <p:sldId id="259" r:id="rId11"/>
+    <p:sldId id="260" r:id="rId12"/>
+    <p:sldId id="261" r:id="rId13"/>
   </p:sldIdLst>
   <p:sldSz cx="12192000" cy="6858000"/>
   <p:notesSz cx="6858000" cy="9144000"/>
@@ -114,6 +115,11 @@
       </a:defRPr>
     </a:lvl9pPr>
   </p:defaultTextStyle>
+  <p:extLst>
+    <p:ext uri="{EFAFB233-063F-42B5-8137-9DF3F51BA10A}">
+      <p15:sldGuideLst xmlns:p15="http://schemas.microsoft.com/office/powerpoint/2012/main"/>
+    </p:ext>
+  </p:extLst>
 </p:presentation>
 </file>
 
@@ -6182,6 +6188,397 @@
           <a:chExt cx="0" cy="0"/>
         </a:xfrm>
       </p:grpSpPr>
+      <p:pic>
+        <p:nvPicPr>
+          <p:cNvPr id="4" name="Picture 3" descr="A picture containing graphical user interface&#10;&#10;Description automatically generated">
+            <a:extLst>
+              <a:ext uri="{FF2B5EF4-FFF2-40B4-BE49-F238E27FC236}">
+                <a16:creationId xmlns:a16="http://schemas.microsoft.com/office/drawing/2014/main" id="{0BD2BD6D-C3D8-4EED-9BBA-22E6CF8872E6}"/>
+              </a:ext>
+            </a:extLst>
+          </p:cNvPr>
+          <p:cNvPicPr>
+            <a:picLocks noChangeAspect="1"/>
+          </p:cNvPicPr>
+          <p:nvPr/>
+        </p:nvPicPr>
+        <p:blipFill>
+          <a:blip r:embed="rId2">
+            <a:extLst>
+              <a:ext uri="{28A0092B-C50C-407E-A947-70E740481C1C}">
+                <a14:useLocalDpi xmlns:a14="http://schemas.microsoft.com/office/drawing/2010/main" val="0"/>
+              </a:ext>
+            </a:extLst>
+          </a:blip>
+          <a:stretch>
+            <a:fillRect/>
+          </a:stretch>
+        </p:blipFill>
+        <p:spPr>
+          <a:xfrm>
+            <a:off x="2794204" y="1615615"/>
+            <a:ext cx="9009423" cy="5073085"/>
+          </a:xfrm>
+          <a:prstGeom prst="rect">
+            <a:avLst/>
+          </a:prstGeom>
+        </p:spPr>
+      </p:pic>
+      <p:sp>
+        <p:nvSpPr>
+          <p:cNvPr id="2" name="Title 1">
+            <a:extLst>
+              <a:ext uri="{FF2B5EF4-FFF2-40B4-BE49-F238E27FC236}">
+                <a16:creationId xmlns:a16="http://schemas.microsoft.com/office/drawing/2014/main" id="{278487CB-57FC-4F64-A00B-71E1332ED582}"/>
+              </a:ext>
+            </a:extLst>
+          </p:cNvPr>
+          <p:cNvSpPr>
+            <a:spLocks noGrp="1"/>
+          </p:cNvSpPr>
+          <p:nvPr>
+            <p:ph type="title"/>
+          </p:nvPr>
+        </p:nvSpPr>
+        <p:spPr>
+          <a:xfrm>
+            <a:off x="149086" y="627417"/>
+            <a:ext cx="3654287" cy="1649205"/>
+          </a:xfrm>
+        </p:spPr>
+        <p:txBody>
+          <a:bodyPr/>
+          <a:lstStyle/>
+          <a:p>
+            <a:r>
+              <a:rPr lang="en-US" dirty="0"/>
+              <a:t>Leaderboard Screen</a:t>
+            </a:r>
+          </a:p>
+        </p:txBody>
+      </p:sp>
+      <p:sp>
+        <p:nvSpPr>
+          <p:cNvPr id="6" name="TextBox 5">
+            <a:extLst>
+              <a:ext uri="{FF2B5EF4-FFF2-40B4-BE49-F238E27FC236}">
+                <a16:creationId xmlns:a16="http://schemas.microsoft.com/office/drawing/2014/main" id="{95631C43-8CD7-4C4B-BA89-CA770C3511A2}"/>
+              </a:ext>
+            </a:extLst>
+          </p:cNvPr>
+          <p:cNvSpPr txBox="1"/>
+          <p:nvPr/>
+        </p:nvSpPr>
+        <p:spPr>
+          <a:xfrm>
+            <a:off x="4691270" y="1027906"/>
+            <a:ext cx="3657602" cy="800894"/>
+          </a:xfrm>
+          <a:prstGeom prst="rect">
+            <a:avLst/>
+          </a:prstGeom>
+          <a:noFill/>
+        </p:spPr>
+        <p:txBody>
+          <a:bodyPr wrap="square" rtlCol="0">
+            <a:spAutoFit/>
+          </a:bodyPr>
+          <a:lstStyle/>
+          <a:p>
+            <a:endParaRPr lang="en-US" dirty="0"/>
+          </a:p>
+        </p:txBody>
+      </p:sp>
+      <p:sp>
+        <p:nvSpPr>
+          <p:cNvPr id="7" name="TextBox 6">
+            <a:extLst>
+              <a:ext uri="{FF2B5EF4-FFF2-40B4-BE49-F238E27FC236}">
+                <a16:creationId xmlns:a16="http://schemas.microsoft.com/office/drawing/2014/main" id="{868695F1-8684-4456-83D0-3D7A9EE67650}"/>
+              </a:ext>
+            </a:extLst>
+          </p:cNvPr>
+          <p:cNvSpPr txBox="1"/>
+          <p:nvPr/>
+        </p:nvSpPr>
+        <p:spPr>
+          <a:xfrm>
+            <a:off x="4843670" y="1180306"/>
+            <a:ext cx="3657602" cy="800894"/>
+          </a:xfrm>
+          <a:prstGeom prst="rect">
+            <a:avLst/>
+          </a:prstGeom>
+          <a:noFill/>
+        </p:spPr>
+        <p:txBody>
+          <a:bodyPr wrap="square" rtlCol="0">
+            <a:spAutoFit/>
+          </a:bodyPr>
+          <a:lstStyle/>
+          <a:p>
+            <a:endParaRPr lang="en-US" dirty="0"/>
+          </a:p>
+        </p:txBody>
+      </p:sp>
+      <p:sp>
+        <p:nvSpPr>
+          <p:cNvPr id="8" name="TextBox 7">
+            <a:extLst>
+              <a:ext uri="{FF2B5EF4-FFF2-40B4-BE49-F238E27FC236}">
+                <a16:creationId xmlns:a16="http://schemas.microsoft.com/office/drawing/2014/main" id="{DE3EC5C1-604A-41D6-8910-DF4E7AEB39F2}"/>
+              </a:ext>
+            </a:extLst>
+          </p:cNvPr>
+          <p:cNvSpPr txBox="1"/>
+          <p:nvPr/>
+        </p:nvSpPr>
+        <p:spPr>
+          <a:xfrm>
+            <a:off x="5883967" y="381575"/>
+            <a:ext cx="3657602" cy="646331"/>
+          </a:xfrm>
+          <a:prstGeom prst="rect">
+            <a:avLst/>
+          </a:prstGeom>
+          <a:noFill/>
+        </p:spPr>
+        <p:txBody>
+          <a:bodyPr wrap="square" rtlCol="0">
+            <a:spAutoFit/>
+          </a:bodyPr>
+          <a:lstStyle/>
+          <a:p>
+            <a:r>
+              <a:rPr lang="en-US" dirty="0"/>
+              <a:t>Leaderboard display pulled from Database will go here</a:t>
+            </a:r>
+          </a:p>
+        </p:txBody>
+      </p:sp>
+      <p:sp>
+        <p:nvSpPr>
+          <p:cNvPr id="9" name="TextBox 8">
+            <a:extLst>
+              <a:ext uri="{FF2B5EF4-FFF2-40B4-BE49-F238E27FC236}">
+                <a16:creationId xmlns:a16="http://schemas.microsoft.com/office/drawing/2014/main" id="{CB5876A7-553C-4995-B73B-492A83E839E2}"/>
+              </a:ext>
+            </a:extLst>
+          </p:cNvPr>
+          <p:cNvSpPr txBox="1"/>
+          <p:nvPr/>
+        </p:nvSpPr>
+        <p:spPr>
+          <a:xfrm>
+            <a:off x="149086" y="5454132"/>
+            <a:ext cx="2321095" cy="646331"/>
+          </a:xfrm>
+          <a:prstGeom prst="rect">
+            <a:avLst/>
+          </a:prstGeom>
+          <a:noFill/>
+        </p:spPr>
+        <p:txBody>
+          <a:bodyPr wrap="square" rtlCol="0">
+            <a:spAutoFit/>
+          </a:bodyPr>
+          <a:lstStyle/>
+          <a:p>
+            <a:r>
+              <a:rPr lang="en-US" dirty="0"/>
+              <a:t>Returns player to main menu</a:t>
+            </a:r>
+          </a:p>
+        </p:txBody>
+      </p:sp>
+      <p:cxnSp>
+        <p:nvCxnSpPr>
+          <p:cNvPr id="12" name="Straight Arrow Connector 11">
+            <a:extLst>
+              <a:ext uri="{FF2B5EF4-FFF2-40B4-BE49-F238E27FC236}">
+                <a16:creationId xmlns:a16="http://schemas.microsoft.com/office/drawing/2014/main" id="{84143E21-146E-4566-8217-9384F279FF8A}"/>
+              </a:ext>
+            </a:extLst>
+          </p:cNvPr>
+          <p:cNvCxnSpPr>
+            <a:cxnSpLocks/>
+          </p:cNvCxnSpPr>
+          <p:nvPr/>
+        </p:nvCxnSpPr>
+        <p:spPr>
+          <a:xfrm flipV="1">
+            <a:off x="2196269" y="5777297"/>
+            <a:ext cx="1375192" cy="119920"/>
+          </a:xfrm>
+          <a:prstGeom prst="straightConnector1">
+            <a:avLst/>
+          </a:prstGeom>
+          <a:ln>
+            <a:tailEnd type="triangle"/>
+          </a:ln>
+        </p:spPr>
+        <p:style>
+          <a:lnRef idx="1">
+            <a:schemeClr val="dk1"/>
+          </a:lnRef>
+          <a:fillRef idx="0">
+            <a:schemeClr val="dk1"/>
+          </a:fillRef>
+          <a:effectRef idx="0">
+            <a:schemeClr val="dk1"/>
+          </a:effectRef>
+          <a:fontRef idx="minor">
+            <a:schemeClr val="tx1"/>
+          </a:fontRef>
+        </p:style>
+      </p:cxnSp>
+      <p:cxnSp>
+        <p:nvCxnSpPr>
+          <p:cNvPr id="10" name="Straight Arrow Connector 9">
+            <a:extLst>
+              <a:ext uri="{FF2B5EF4-FFF2-40B4-BE49-F238E27FC236}">
+                <a16:creationId xmlns:a16="http://schemas.microsoft.com/office/drawing/2014/main" id="{CD343F1E-1930-431F-B9CA-2366FF163D45}"/>
+              </a:ext>
+            </a:extLst>
+          </p:cNvPr>
+          <p:cNvCxnSpPr>
+            <a:cxnSpLocks/>
+          </p:cNvCxnSpPr>
+          <p:nvPr/>
+        </p:nvCxnSpPr>
+        <p:spPr>
+          <a:xfrm>
+            <a:off x="6948442" y="1064746"/>
+            <a:ext cx="990920" cy="2122402"/>
+          </a:xfrm>
+          <a:prstGeom prst="straightConnector1">
+            <a:avLst/>
+          </a:prstGeom>
+          <a:ln>
+            <a:tailEnd type="triangle"/>
+          </a:ln>
+        </p:spPr>
+        <p:style>
+          <a:lnRef idx="1">
+            <a:schemeClr val="dk1"/>
+          </a:lnRef>
+          <a:fillRef idx="0">
+            <a:schemeClr val="dk1"/>
+          </a:fillRef>
+          <a:effectRef idx="0">
+            <a:schemeClr val="dk1"/>
+          </a:effectRef>
+          <a:fontRef idx="minor">
+            <a:schemeClr val="tx1"/>
+          </a:fontRef>
+        </p:style>
+      </p:cxnSp>
+      <p:sp>
+        <p:nvSpPr>
+          <p:cNvPr id="16" name="TextBox 15">
+            <a:extLst>
+              <a:ext uri="{FF2B5EF4-FFF2-40B4-BE49-F238E27FC236}">
+                <a16:creationId xmlns:a16="http://schemas.microsoft.com/office/drawing/2014/main" id="{D5165893-2275-42E1-AEBE-D8756D4961DD}"/>
+              </a:ext>
+            </a:extLst>
+          </p:cNvPr>
+          <p:cNvSpPr txBox="1"/>
+          <p:nvPr/>
+        </p:nvSpPr>
+        <p:spPr>
+          <a:xfrm>
+            <a:off x="149086" y="2349198"/>
+            <a:ext cx="2321095" cy="646331"/>
+          </a:xfrm>
+          <a:prstGeom prst="rect">
+            <a:avLst/>
+          </a:prstGeom>
+          <a:noFill/>
+        </p:spPr>
+        <p:txBody>
+          <a:bodyPr wrap="square" rtlCol="0">
+            <a:spAutoFit/>
+          </a:bodyPr>
+          <a:lstStyle/>
+          <a:p>
+            <a:r>
+              <a:rPr lang="en-US" dirty="0"/>
+              <a:t>Sorts and filters leaderboards</a:t>
+            </a:r>
+          </a:p>
+        </p:txBody>
+      </p:sp>
+      <p:cxnSp>
+        <p:nvCxnSpPr>
+          <p:cNvPr id="17" name="Straight Arrow Connector 16">
+            <a:extLst>
+              <a:ext uri="{FF2B5EF4-FFF2-40B4-BE49-F238E27FC236}">
+                <a16:creationId xmlns:a16="http://schemas.microsoft.com/office/drawing/2014/main" id="{A8E99C38-261E-4323-A1BF-7E9A6E22C102}"/>
+              </a:ext>
+            </a:extLst>
+          </p:cNvPr>
+          <p:cNvCxnSpPr>
+            <a:cxnSpLocks/>
+          </p:cNvCxnSpPr>
+          <p:nvPr/>
+        </p:nvCxnSpPr>
+        <p:spPr>
+          <a:xfrm flipV="1">
+            <a:off x="2063540" y="2552443"/>
+            <a:ext cx="1375192" cy="119920"/>
+          </a:xfrm>
+          <a:prstGeom prst="straightConnector1">
+            <a:avLst/>
+          </a:prstGeom>
+          <a:ln>
+            <a:tailEnd type="triangle"/>
+          </a:ln>
+        </p:spPr>
+        <p:style>
+          <a:lnRef idx="1">
+            <a:schemeClr val="dk1"/>
+          </a:lnRef>
+          <a:fillRef idx="0">
+            <a:schemeClr val="dk1"/>
+          </a:fillRef>
+          <a:effectRef idx="0">
+            <a:schemeClr val="dk1"/>
+          </a:effectRef>
+          <a:fontRef idx="minor">
+            <a:schemeClr val="tx1"/>
+          </a:fontRef>
+        </p:style>
+      </p:cxnSp>
+    </p:spTree>
+    <p:extLst>
+      <p:ext uri="{BB962C8B-B14F-4D97-AF65-F5344CB8AC3E}">
+        <p14:creationId xmlns:p14="http://schemas.microsoft.com/office/powerpoint/2010/main" val="3864474051"/>
+      </p:ext>
+    </p:extLst>
+  </p:cSld>
+  <p:clrMapOvr>
+    <a:masterClrMapping/>
+  </p:clrMapOvr>
+</p:sld>
+</file>
+
+<file path=ppt/slides/slide11.xml><?xml version="1.0" encoding="utf-8"?>
+<p:sld xmlns:a="http://schemas.openxmlformats.org/drawingml/2006/main" xmlns:r="http://schemas.openxmlformats.org/officeDocument/2006/relationships" xmlns:p="http://schemas.openxmlformats.org/presentationml/2006/main">
+  <p:cSld>
+    <p:spTree>
+      <p:nvGrpSpPr>
+        <p:cNvPr id="1" name=""/>
+        <p:cNvGrpSpPr/>
+        <p:nvPr/>
+      </p:nvGrpSpPr>
+      <p:grpSpPr>
+        <a:xfrm>
+          <a:off x="0" y="0"/>
+          <a:ext cx="0" cy="0"/>
+          <a:chOff x="0" y="0"/>
+          <a:chExt cx="0" cy="0"/>
+        </a:xfrm>
+      </p:grpSpPr>
       <p:sp>
         <p:nvSpPr>
           <p:cNvPr id="2" name="Title 1">
@@ -6638,7 +7035,7 @@
 </p:sld>
 </file>
 
-<file path=ppt/slides/slide11.xml><?xml version="1.0" encoding="utf-8"?>
+<file path=ppt/slides/slide12.xml><?xml version="1.0" encoding="utf-8"?>
 <p:sld xmlns:a="http://schemas.openxmlformats.org/drawingml/2006/main" xmlns:r="http://schemas.openxmlformats.org/officeDocument/2006/relationships" xmlns:p="http://schemas.openxmlformats.org/presentationml/2006/main">
   <p:cSld>
     <p:spTree>
@@ -7905,45 +8302,12 @@
           <a:chExt cx="0" cy="0"/>
         </a:xfrm>
       </p:grpSpPr>
-      <p:sp>
-        <p:nvSpPr>
-          <p:cNvPr id="2" name="Title 1">
+      <p:pic>
+        <p:nvPicPr>
+          <p:cNvPr id="7" name="Content Placeholder 6" descr="Graphical user interface&#10;&#10;Description automatically generated">
             <a:extLst>
               <a:ext uri="{FF2B5EF4-FFF2-40B4-BE49-F238E27FC236}">
-                <a16:creationId xmlns:a16="http://schemas.microsoft.com/office/drawing/2014/main" id="{B809C49A-8039-42C2-8184-4823B0623F10}"/>
-              </a:ext>
-            </a:extLst>
-          </p:cNvPr>
-          <p:cNvSpPr>
-            <a:spLocks noGrp="1"/>
-          </p:cNvSpPr>
-          <p:nvPr>
-            <p:ph type="title"/>
-          </p:nvPr>
-        </p:nvSpPr>
-        <p:spPr>
-          <a:xfrm>
-            <a:off x="838200" y="365125"/>
-            <a:ext cx="3004930" cy="1325563"/>
-          </a:xfrm>
-        </p:spPr>
-        <p:txBody>
-          <a:bodyPr/>
-          <a:lstStyle/>
-          <a:p>
-            <a:r>
-              <a:rPr lang="en-US" dirty="0"/>
-              <a:t>Character Screen</a:t>
-            </a:r>
-          </a:p>
-        </p:txBody>
-      </p:sp>
-      <p:pic>
-        <p:nvPicPr>
-          <p:cNvPr id="5" name="Content Placeholder 4" descr="Graphical user interface, application&#10;&#10;Description automatically generated">
-            <a:extLst>
-              <a:ext uri="{FF2B5EF4-FFF2-40B4-BE49-F238E27FC236}">
-                <a16:creationId xmlns:a16="http://schemas.microsoft.com/office/drawing/2014/main" id="{2374C4ED-527E-4318-A5F4-F1D73354927F}"/>
+                <a16:creationId xmlns:a16="http://schemas.microsoft.com/office/drawing/2014/main" id="{3AA75565-8AB8-49D1-AB33-BC084A4E7098}"/>
               </a:ext>
             </a:extLst>
           </p:cNvPr>
@@ -7968,11 +8332,44 @@
         </p:blipFill>
         <p:spPr>
           <a:xfrm>
-            <a:off x="3350934" y="1996196"/>
-            <a:ext cx="8629031" cy="4861804"/>
+            <a:off x="3843130" y="2522800"/>
+            <a:ext cx="7555525" cy="4195762"/>
           </a:xfrm>
         </p:spPr>
       </p:pic>
+      <p:sp>
+        <p:nvSpPr>
+          <p:cNvPr id="2" name="Title 1">
+            <a:extLst>
+              <a:ext uri="{FF2B5EF4-FFF2-40B4-BE49-F238E27FC236}">
+                <a16:creationId xmlns:a16="http://schemas.microsoft.com/office/drawing/2014/main" id="{B809C49A-8039-42C2-8184-4823B0623F10}"/>
+              </a:ext>
+            </a:extLst>
+          </p:cNvPr>
+          <p:cNvSpPr>
+            <a:spLocks noGrp="1"/>
+          </p:cNvSpPr>
+          <p:nvPr>
+            <p:ph type="title"/>
+          </p:nvPr>
+        </p:nvSpPr>
+        <p:spPr>
+          <a:xfrm>
+            <a:off x="838200" y="365125"/>
+            <a:ext cx="3004930" cy="1325563"/>
+          </a:xfrm>
+        </p:spPr>
+        <p:txBody>
+          <a:bodyPr/>
+          <a:lstStyle/>
+          <a:p>
+            <a:r>
+              <a:rPr lang="en-US" dirty="0"/>
+              <a:t>Character Screen</a:t>
+            </a:r>
+          </a:p>
+        </p:txBody>
+      </p:sp>
       <p:sp>
         <p:nvSpPr>
           <p:cNvPr id="8" name="TextBox 7">
@@ -8102,6 +8499,158 @@
           <a:xfrm>
             <a:off x="7817841" y="1843442"/>
             <a:ext cx="531031" cy="2914088"/>
+          </a:xfrm>
+          <a:prstGeom prst="straightConnector1">
+            <a:avLst/>
+          </a:prstGeom>
+          <a:ln>
+            <a:tailEnd type="triangle"/>
+          </a:ln>
+        </p:spPr>
+        <p:style>
+          <a:lnRef idx="1">
+            <a:schemeClr val="dk1"/>
+          </a:lnRef>
+          <a:fillRef idx="0">
+            <a:schemeClr val="dk1"/>
+          </a:fillRef>
+          <a:effectRef idx="0">
+            <a:schemeClr val="dk1"/>
+          </a:effectRef>
+          <a:fontRef idx="minor">
+            <a:schemeClr val="tx1"/>
+          </a:fontRef>
+        </p:style>
+      </p:cxnSp>
+      <p:sp>
+        <p:nvSpPr>
+          <p:cNvPr id="12" name="TextBox 11">
+            <a:extLst>
+              <a:ext uri="{FF2B5EF4-FFF2-40B4-BE49-F238E27FC236}">
+                <a16:creationId xmlns:a16="http://schemas.microsoft.com/office/drawing/2014/main" id="{99920D90-86CF-489F-BC73-CCA9AA8A91DD}"/>
+              </a:ext>
+            </a:extLst>
+          </p:cNvPr>
+          <p:cNvSpPr txBox="1"/>
+          <p:nvPr/>
+        </p:nvSpPr>
+        <p:spPr>
+          <a:xfrm>
+            <a:off x="92764" y="4436015"/>
+            <a:ext cx="3657602" cy="369332"/>
+          </a:xfrm>
+          <a:prstGeom prst="rect">
+            <a:avLst/>
+          </a:prstGeom>
+          <a:noFill/>
+        </p:spPr>
+        <p:txBody>
+          <a:bodyPr wrap="square" rtlCol="0">
+            <a:spAutoFit/>
+          </a:bodyPr>
+          <a:lstStyle/>
+          <a:p>
+            <a:r>
+              <a:rPr lang="en-US" dirty="0"/>
+              <a:t>Deletes a character/save</a:t>
+            </a:r>
+          </a:p>
+        </p:txBody>
+      </p:sp>
+      <p:cxnSp>
+        <p:nvCxnSpPr>
+          <p:cNvPr id="13" name="Straight Arrow Connector 12">
+            <a:extLst>
+              <a:ext uri="{FF2B5EF4-FFF2-40B4-BE49-F238E27FC236}">
+                <a16:creationId xmlns:a16="http://schemas.microsoft.com/office/drawing/2014/main" id="{8EC03DC9-344A-4971-9B92-8D6CBD1F9C50}"/>
+              </a:ext>
+            </a:extLst>
+          </p:cNvPr>
+          <p:cNvCxnSpPr>
+            <a:cxnSpLocks/>
+          </p:cNvCxnSpPr>
+          <p:nvPr/>
+        </p:nvCxnSpPr>
+        <p:spPr>
+          <a:xfrm>
+            <a:off x="3208717" y="4640270"/>
+            <a:ext cx="1083298" cy="0"/>
+          </a:xfrm>
+          <a:prstGeom prst="straightConnector1">
+            <a:avLst/>
+          </a:prstGeom>
+          <a:ln>
+            <a:tailEnd type="triangle"/>
+          </a:ln>
+        </p:spPr>
+        <p:style>
+          <a:lnRef idx="1">
+            <a:schemeClr val="dk1"/>
+          </a:lnRef>
+          <a:fillRef idx="0">
+            <a:schemeClr val="dk1"/>
+          </a:fillRef>
+          <a:effectRef idx="0">
+            <a:schemeClr val="dk1"/>
+          </a:effectRef>
+          <a:fontRef idx="minor">
+            <a:schemeClr val="tx1"/>
+          </a:fontRef>
+        </p:style>
+      </p:cxnSp>
+      <p:sp>
+        <p:nvSpPr>
+          <p:cNvPr id="14" name="TextBox 13">
+            <a:extLst>
+              <a:ext uri="{FF2B5EF4-FFF2-40B4-BE49-F238E27FC236}">
+                <a16:creationId xmlns:a16="http://schemas.microsoft.com/office/drawing/2014/main" id="{9EE7EFAB-9847-4ACB-8E65-4D4994E4567E}"/>
+              </a:ext>
+            </a:extLst>
+          </p:cNvPr>
+          <p:cNvSpPr txBox="1"/>
+          <p:nvPr/>
+        </p:nvSpPr>
+        <p:spPr>
+          <a:xfrm>
+            <a:off x="92764" y="3059668"/>
+            <a:ext cx="3657602" cy="646331"/>
+          </a:xfrm>
+          <a:prstGeom prst="rect">
+            <a:avLst/>
+          </a:prstGeom>
+          <a:noFill/>
+        </p:spPr>
+        <p:txBody>
+          <a:bodyPr wrap="square" rtlCol="0">
+            <a:spAutoFit/>
+          </a:bodyPr>
+          <a:lstStyle/>
+          <a:p>
+            <a:r>
+              <a:rPr lang="en-US" dirty="0"/>
+              <a:t>Displays a selected character’s stats</a:t>
+            </a:r>
+          </a:p>
+        </p:txBody>
+      </p:sp>
+      <p:cxnSp>
+        <p:nvCxnSpPr>
+          <p:cNvPr id="15" name="Straight Arrow Connector 14">
+            <a:extLst>
+              <a:ext uri="{FF2B5EF4-FFF2-40B4-BE49-F238E27FC236}">
+                <a16:creationId xmlns:a16="http://schemas.microsoft.com/office/drawing/2014/main" id="{00FD37DF-15BF-433F-A604-9ADE5B53AE1D}"/>
+              </a:ext>
+            </a:extLst>
+          </p:cNvPr>
+          <p:cNvCxnSpPr>
+            <a:cxnSpLocks/>
+          </p:cNvCxnSpPr>
+          <p:nvPr/>
+        </p:nvCxnSpPr>
+        <p:spPr>
+          <a:xfrm flipV="1">
+            <a:off x="3088197" y="3376535"/>
+            <a:ext cx="1138810" cy="224090"/>
           </a:xfrm>
           <a:prstGeom prst="straightConnector1">
             <a:avLst/>
@@ -8155,19 +8704,54 @@
           <a:chExt cx="0" cy="0"/>
         </a:xfrm>
       </p:grpSpPr>
+      <p:sp>
+        <p:nvSpPr>
+          <p:cNvPr id="2" name="Title 1">
+            <a:extLst>
+              <a:ext uri="{FF2B5EF4-FFF2-40B4-BE49-F238E27FC236}">
+                <a16:creationId xmlns:a16="http://schemas.microsoft.com/office/drawing/2014/main" id="{B809C49A-8039-42C2-8184-4823B0623F10}"/>
+              </a:ext>
+            </a:extLst>
+          </p:cNvPr>
+          <p:cNvSpPr>
+            <a:spLocks noGrp="1"/>
+          </p:cNvSpPr>
+          <p:nvPr>
+            <p:ph type="title"/>
+          </p:nvPr>
+        </p:nvSpPr>
+        <p:spPr>
+          <a:xfrm>
+            <a:off x="838200" y="365125"/>
+            <a:ext cx="3004930" cy="1325563"/>
+          </a:xfrm>
+        </p:spPr>
+        <p:txBody>
+          <a:bodyPr/>
+          <a:lstStyle/>
+          <a:p>
+            <a:r>
+              <a:rPr lang="en-US" dirty="0"/>
+              <a:t>Character Screen</a:t>
+            </a:r>
+          </a:p>
+        </p:txBody>
+      </p:sp>
       <p:pic>
         <p:nvPicPr>
-          <p:cNvPr id="5" name="Picture 4" descr="Graphical user interface, text, application, background pattern, chat or text message&#10;&#10;Description automatically generated">
+          <p:cNvPr id="6" name="Content Placeholder 5" descr="A screenshot of a video game&#10;&#10;Description automatically generated with medium confidence">
             <a:extLst>
               <a:ext uri="{FF2B5EF4-FFF2-40B4-BE49-F238E27FC236}">
-                <a16:creationId xmlns:a16="http://schemas.microsoft.com/office/drawing/2014/main" id="{C2E4F1AB-E055-4EC8-A540-B951BF268FCE}"/>
+                <a16:creationId xmlns:a16="http://schemas.microsoft.com/office/drawing/2014/main" id="{A5BA54A0-C5B3-4EF3-9BC5-DAD7D4B26DF8}"/>
               </a:ext>
             </a:extLst>
           </p:cNvPr>
           <p:cNvPicPr>
-            <a:picLocks noChangeAspect="1"/>
+            <a:picLocks noGrp="1" noChangeAspect="1"/>
           </p:cNvPicPr>
-          <p:nvPr/>
+          <p:nvPr>
+            <p:ph idx="1"/>
+          </p:nvPr>
         </p:nvPicPr>
         <p:blipFill>
           <a:blip r:embed="rId2">
@@ -8183,53 +8767,17 @@
         </p:blipFill>
         <p:spPr>
           <a:xfrm>
-            <a:off x="2625279" y="1406544"/>
-            <a:ext cx="9566721" cy="5405980"/>
-          </a:xfrm>
-          <a:prstGeom prst="rect">
-            <a:avLst/>
-          </a:prstGeom>
+            <a:off x="4039322" y="2052638"/>
+            <a:ext cx="7448350" cy="4195762"/>
+          </a:xfrm>
         </p:spPr>
       </p:pic>
       <p:sp>
         <p:nvSpPr>
-          <p:cNvPr id="2" name="Title 1">
+          <p:cNvPr id="12" name="TextBox 11">
             <a:extLst>
               <a:ext uri="{FF2B5EF4-FFF2-40B4-BE49-F238E27FC236}">
-                <a16:creationId xmlns:a16="http://schemas.microsoft.com/office/drawing/2014/main" id="{278487CB-57FC-4F64-A00B-71E1332ED582}"/>
-              </a:ext>
-            </a:extLst>
-          </p:cNvPr>
-          <p:cNvSpPr>
-            <a:spLocks noGrp="1"/>
-          </p:cNvSpPr>
-          <p:nvPr>
-            <p:ph type="title"/>
-          </p:nvPr>
-        </p:nvSpPr>
-        <p:spPr>
-          <a:xfrm>
-            <a:off x="149086" y="627417"/>
-            <a:ext cx="3654287" cy="1649205"/>
-          </a:xfrm>
-        </p:spPr>
-        <p:txBody>
-          <a:bodyPr/>
-          <a:lstStyle/>
-          <a:p>
-            <a:r>
-              <a:rPr lang="en-US" dirty="0"/>
-              <a:t>Leaderboard Screen</a:t>
-            </a:r>
-          </a:p>
-        </p:txBody>
-      </p:sp>
-      <p:sp>
-        <p:nvSpPr>
-          <p:cNvPr id="6" name="TextBox 5">
-            <a:extLst>
-              <a:ext uri="{FF2B5EF4-FFF2-40B4-BE49-F238E27FC236}">
-                <a16:creationId xmlns:a16="http://schemas.microsoft.com/office/drawing/2014/main" id="{95631C43-8CD7-4C4B-BA89-CA770C3511A2}"/>
+                <a16:creationId xmlns:a16="http://schemas.microsoft.com/office/drawing/2014/main" id="{31216757-A7C3-45FC-8D36-2A0AE6A8E693}"/>
               </a:ext>
             </a:extLst>
           </p:cNvPr>
@@ -8238,8 +8786,8 @@
         </p:nvSpPr>
         <p:spPr>
           <a:xfrm>
-            <a:off x="4691270" y="1027906"/>
-            <a:ext cx="3657602" cy="800894"/>
+            <a:off x="5274365" y="1457739"/>
+            <a:ext cx="4578626" cy="369332"/>
           </a:xfrm>
           <a:prstGeom prst="rect">
             <a:avLst/>
@@ -8252,437 +8800,17 @@
           </a:bodyPr>
           <a:lstStyle/>
           <a:p>
-            <a:endParaRPr lang="en-US" dirty="0"/>
-          </a:p>
-        </p:txBody>
-      </p:sp>
-      <p:sp>
-        <p:nvSpPr>
-          <p:cNvPr id="7" name="TextBox 6">
-            <a:extLst>
-              <a:ext uri="{FF2B5EF4-FFF2-40B4-BE49-F238E27FC236}">
-                <a16:creationId xmlns:a16="http://schemas.microsoft.com/office/drawing/2014/main" id="{868695F1-8684-4456-83D0-3D7A9EE67650}"/>
-              </a:ext>
-            </a:extLst>
-          </p:cNvPr>
-          <p:cNvSpPr txBox="1"/>
-          <p:nvPr/>
-        </p:nvSpPr>
-        <p:spPr>
-          <a:xfrm>
-            <a:off x="4843670" y="1180306"/>
-            <a:ext cx="3657602" cy="800894"/>
-          </a:xfrm>
-          <a:prstGeom prst="rect">
-            <a:avLst/>
-          </a:prstGeom>
-          <a:noFill/>
-        </p:spPr>
-        <p:txBody>
-          <a:bodyPr wrap="square" rtlCol="0">
-            <a:spAutoFit/>
-          </a:bodyPr>
-          <a:lstStyle/>
-          <a:p>
-            <a:endParaRPr lang="en-US" dirty="0"/>
-          </a:p>
-        </p:txBody>
-      </p:sp>
-      <p:sp>
-        <p:nvSpPr>
-          <p:cNvPr id="8" name="TextBox 7">
-            <a:extLst>
-              <a:ext uri="{FF2B5EF4-FFF2-40B4-BE49-F238E27FC236}">
-                <a16:creationId xmlns:a16="http://schemas.microsoft.com/office/drawing/2014/main" id="{DE3EC5C1-604A-41D6-8910-DF4E7AEB39F2}"/>
-              </a:ext>
-            </a:extLst>
-          </p:cNvPr>
-          <p:cNvSpPr txBox="1"/>
-          <p:nvPr/>
-        </p:nvSpPr>
-        <p:spPr>
-          <a:xfrm>
-            <a:off x="5883967" y="381575"/>
-            <a:ext cx="3657602" cy="646331"/>
-          </a:xfrm>
-          <a:prstGeom prst="rect">
-            <a:avLst/>
-          </a:prstGeom>
-          <a:noFill/>
-        </p:spPr>
-        <p:txBody>
-          <a:bodyPr wrap="square" rtlCol="0">
-            <a:spAutoFit/>
-          </a:bodyPr>
-          <a:lstStyle/>
-          <a:p>
             <a:r>
               <a:rPr lang="en-US" dirty="0"/>
-              <a:t>Leaderboard display pulled from Database will go here</a:t>
-            </a:r>
-          </a:p>
-        </p:txBody>
-      </p:sp>
-      <p:sp>
-        <p:nvSpPr>
-          <p:cNvPr id="9" name="TextBox 8">
-            <a:extLst>
-              <a:ext uri="{FF2B5EF4-FFF2-40B4-BE49-F238E27FC236}">
-                <a16:creationId xmlns:a16="http://schemas.microsoft.com/office/drawing/2014/main" id="{CB5876A7-553C-4995-B73B-492A83E839E2}"/>
-              </a:ext>
-            </a:extLst>
-          </p:cNvPr>
-          <p:cNvSpPr txBox="1"/>
-          <p:nvPr/>
-        </p:nvSpPr>
-        <p:spPr>
-          <a:xfrm>
-            <a:off x="149086" y="5454132"/>
-            <a:ext cx="2321095" cy="646331"/>
-          </a:xfrm>
-          <a:prstGeom prst="rect">
-            <a:avLst/>
-          </a:prstGeom>
-          <a:noFill/>
-        </p:spPr>
-        <p:txBody>
-          <a:bodyPr wrap="square" rtlCol="0">
-            <a:spAutoFit/>
-          </a:bodyPr>
-          <a:lstStyle/>
-          <a:p>
-            <a:r>
-              <a:rPr lang="en-US" dirty="0"/>
-              <a:t>Returns player to main menu</a:t>
-            </a:r>
-          </a:p>
-        </p:txBody>
-      </p:sp>
-      <p:cxnSp>
-        <p:nvCxnSpPr>
-          <p:cNvPr id="12" name="Straight Arrow Connector 11">
-            <a:extLst>
-              <a:ext uri="{FF2B5EF4-FFF2-40B4-BE49-F238E27FC236}">
-                <a16:creationId xmlns:a16="http://schemas.microsoft.com/office/drawing/2014/main" id="{84143E21-146E-4566-8217-9384F279FF8A}"/>
-              </a:ext>
-            </a:extLst>
-          </p:cNvPr>
-          <p:cNvCxnSpPr>
-            <a:cxnSpLocks/>
-          </p:cNvCxnSpPr>
-          <p:nvPr/>
-        </p:nvCxnSpPr>
-        <p:spPr>
-          <a:xfrm>
-            <a:off x="2196269" y="5897217"/>
-            <a:ext cx="1274662" cy="203246"/>
-          </a:xfrm>
-          <a:prstGeom prst="straightConnector1">
-            <a:avLst/>
-          </a:prstGeom>
-          <a:ln>
-            <a:tailEnd type="triangle"/>
-          </a:ln>
-        </p:spPr>
-        <p:style>
-          <a:lnRef idx="1">
-            <a:schemeClr val="dk1"/>
-          </a:lnRef>
-          <a:fillRef idx="0">
-            <a:schemeClr val="dk1"/>
-          </a:fillRef>
-          <a:effectRef idx="0">
-            <a:schemeClr val="dk1"/>
-          </a:effectRef>
-          <a:fontRef idx="minor">
-            <a:schemeClr val="tx1"/>
-          </a:fontRef>
-        </p:style>
-      </p:cxnSp>
-      <p:graphicFrame>
-        <p:nvGraphicFramePr>
-          <p:cNvPr id="15" name="Table 15">
-            <a:extLst>
-              <a:ext uri="{FF2B5EF4-FFF2-40B4-BE49-F238E27FC236}">
-                <a16:creationId xmlns:a16="http://schemas.microsoft.com/office/drawing/2014/main" id="{853D989B-C4D5-4150-93F2-76B8D90F7495}"/>
-              </a:ext>
-            </a:extLst>
-          </p:cNvPr>
-          <p:cNvGraphicFramePr>
-            <a:graphicFrameLocks noGrp="1"/>
-          </p:cNvGraphicFramePr>
-          <p:nvPr>
-            <p:extLst>
-              <p:ext uri="{D42A27DB-BD31-4B8C-83A1-F6EECF244321}">
-                <p14:modId xmlns:p14="http://schemas.microsoft.com/office/powerpoint/2010/main" val="3143434793"/>
-              </p:ext>
-            </p:extLst>
-          </p:nvPr>
-        </p:nvGraphicFramePr>
-        <p:xfrm>
-          <a:off x="5393634" y="2679800"/>
-          <a:ext cx="6590228" cy="3535469"/>
-        </p:xfrm>
-        <a:graphic>
-          <a:graphicData uri="http://schemas.openxmlformats.org/drawingml/2006/table">
-            <a:tbl>
-              <a:tblPr firstRow="1" bandRow="1">
-                <a:tableStyleId>{5C22544A-7EE6-4342-B048-85BDC9FD1C3A}</a:tableStyleId>
-              </a:tblPr>
-              <a:tblGrid>
-                <a:gridCol w="3295114">
-                  <a:extLst>
-                    <a:ext uri="{9D8B030D-6E8A-4147-A177-3AD203B41FA5}">
-                      <a16:colId xmlns:a16="http://schemas.microsoft.com/office/drawing/2014/main" val="4051516526"/>
-                    </a:ext>
-                  </a:extLst>
-                </a:gridCol>
-                <a:gridCol w="3295114">
-                  <a:extLst>
-                    <a:ext uri="{9D8B030D-6E8A-4147-A177-3AD203B41FA5}">
-                      <a16:colId xmlns:a16="http://schemas.microsoft.com/office/drawing/2014/main" val="4103205186"/>
-                    </a:ext>
-                  </a:extLst>
-                </a:gridCol>
-              </a:tblGrid>
-              <a:tr h="505067">
-                <a:tc>
-                  <a:txBody>
-                    <a:bodyPr/>
-                    <a:lstStyle/>
-                    <a:p>
-                      <a:endParaRPr lang="en-US"/>
-                    </a:p>
-                  </a:txBody>
-                  <a:tcPr/>
-                </a:tc>
-                <a:tc>
-                  <a:txBody>
-                    <a:bodyPr/>
-                    <a:lstStyle/>
-                    <a:p>
-                      <a:endParaRPr lang="en-US"/>
-                    </a:p>
-                  </a:txBody>
-                  <a:tcPr/>
-                </a:tc>
-                <a:extLst>
-                  <a:ext uri="{0D108BD9-81ED-4DB2-BD59-A6C34878D82A}">
-                    <a16:rowId xmlns:a16="http://schemas.microsoft.com/office/drawing/2014/main" val="1897635859"/>
-                  </a:ext>
-                </a:extLst>
-              </a:tr>
-              <a:tr h="505067">
-                <a:tc>
-                  <a:txBody>
-                    <a:bodyPr/>
-                    <a:lstStyle/>
-                    <a:p>
-                      <a:endParaRPr lang="en-US" dirty="0"/>
-                    </a:p>
-                  </a:txBody>
-                  <a:tcPr/>
-                </a:tc>
-                <a:tc>
-                  <a:txBody>
-                    <a:bodyPr/>
-                    <a:lstStyle/>
-                    <a:p>
-                      <a:endParaRPr lang="en-US"/>
-                    </a:p>
-                  </a:txBody>
-                  <a:tcPr/>
-                </a:tc>
-                <a:extLst>
-                  <a:ext uri="{0D108BD9-81ED-4DB2-BD59-A6C34878D82A}">
-                    <a16:rowId xmlns:a16="http://schemas.microsoft.com/office/drawing/2014/main" val="1813923704"/>
-                  </a:ext>
-                </a:extLst>
-              </a:tr>
-              <a:tr h="505067">
-                <a:tc>
-                  <a:txBody>
-                    <a:bodyPr/>
-                    <a:lstStyle/>
-                    <a:p>
-                      <a:endParaRPr lang="en-US" dirty="0"/>
-                    </a:p>
-                  </a:txBody>
-                  <a:tcPr/>
-                </a:tc>
-                <a:tc>
-                  <a:txBody>
-                    <a:bodyPr/>
-                    <a:lstStyle/>
-                    <a:p>
-                      <a:endParaRPr lang="en-US"/>
-                    </a:p>
-                  </a:txBody>
-                  <a:tcPr/>
-                </a:tc>
-                <a:extLst>
-                  <a:ext uri="{0D108BD9-81ED-4DB2-BD59-A6C34878D82A}">
-                    <a16:rowId xmlns:a16="http://schemas.microsoft.com/office/drawing/2014/main" val="3918128521"/>
-                  </a:ext>
-                </a:extLst>
-              </a:tr>
-              <a:tr h="505067">
-                <a:tc>
-                  <a:txBody>
-                    <a:bodyPr/>
-                    <a:lstStyle/>
-                    <a:p>
-                      <a:endParaRPr lang="en-US"/>
-                    </a:p>
-                  </a:txBody>
-                  <a:tcPr/>
-                </a:tc>
-                <a:tc>
-                  <a:txBody>
-                    <a:bodyPr/>
-                    <a:lstStyle/>
-                    <a:p>
-                      <a:endParaRPr lang="en-US"/>
-                    </a:p>
-                  </a:txBody>
-                  <a:tcPr/>
-                </a:tc>
-                <a:extLst>
-                  <a:ext uri="{0D108BD9-81ED-4DB2-BD59-A6C34878D82A}">
-                    <a16:rowId xmlns:a16="http://schemas.microsoft.com/office/drawing/2014/main" val="1001559628"/>
-                  </a:ext>
-                </a:extLst>
-              </a:tr>
-              <a:tr h="505067">
-                <a:tc>
-                  <a:txBody>
-                    <a:bodyPr/>
-                    <a:lstStyle/>
-                    <a:p>
-                      <a:endParaRPr lang="en-US"/>
-                    </a:p>
-                  </a:txBody>
-                  <a:tcPr/>
-                </a:tc>
-                <a:tc>
-                  <a:txBody>
-                    <a:bodyPr/>
-                    <a:lstStyle/>
-                    <a:p>
-                      <a:endParaRPr lang="en-US" dirty="0"/>
-                    </a:p>
-                  </a:txBody>
-                  <a:tcPr/>
-                </a:tc>
-                <a:extLst>
-                  <a:ext uri="{0D108BD9-81ED-4DB2-BD59-A6C34878D82A}">
-                    <a16:rowId xmlns:a16="http://schemas.microsoft.com/office/drawing/2014/main" val="4065634815"/>
-                  </a:ext>
-                </a:extLst>
-              </a:tr>
-              <a:tr h="505067">
-                <a:tc>
-                  <a:txBody>
-                    <a:bodyPr/>
-                    <a:lstStyle/>
-                    <a:p>
-                      <a:endParaRPr lang="en-US"/>
-                    </a:p>
-                  </a:txBody>
-                  <a:tcPr/>
-                </a:tc>
-                <a:tc>
-                  <a:txBody>
-                    <a:bodyPr/>
-                    <a:lstStyle/>
-                    <a:p>
-                      <a:endParaRPr lang="en-US"/>
-                    </a:p>
-                  </a:txBody>
-                  <a:tcPr/>
-                </a:tc>
-                <a:extLst>
-                  <a:ext uri="{0D108BD9-81ED-4DB2-BD59-A6C34878D82A}">
-                    <a16:rowId xmlns:a16="http://schemas.microsoft.com/office/drawing/2014/main" val="3741856483"/>
-                  </a:ext>
-                </a:extLst>
-              </a:tr>
-              <a:tr h="505067">
-                <a:tc>
-                  <a:txBody>
-                    <a:bodyPr/>
-                    <a:lstStyle/>
-                    <a:p>
-                      <a:endParaRPr lang="en-US"/>
-                    </a:p>
-                  </a:txBody>
-                  <a:tcPr/>
-                </a:tc>
-                <a:tc>
-                  <a:txBody>
-                    <a:bodyPr/>
-                    <a:lstStyle/>
-                    <a:p>
-                      <a:endParaRPr lang="en-US" dirty="0"/>
-                    </a:p>
-                  </a:txBody>
-                  <a:tcPr/>
-                </a:tc>
-                <a:extLst>
-                  <a:ext uri="{0D108BD9-81ED-4DB2-BD59-A6C34878D82A}">
-                    <a16:rowId xmlns:a16="http://schemas.microsoft.com/office/drawing/2014/main" val="3988855654"/>
-                  </a:ext>
-                </a:extLst>
-              </a:tr>
-            </a:tbl>
-          </a:graphicData>
-        </a:graphic>
-      </p:graphicFrame>
-      <p:cxnSp>
-        <p:nvCxnSpPr>
-          <p:cNvPr id="10" name="Straight Arrow Connector 9">
-            <a:extLst>
-              <a:ext uri="{FF2B5EF4-FFF2-40B4-BE49-F238E27FC236}">
-                <a16:creationId xmlns:a16="http://schemas.microsoft.com/office/drawing/2014/main" id="{CD343F1E-1930-431F-B9CA-2366FF163D45}"/>
-              </a:ext>
-            </a:extLst>
-          </p:cNvPr>
-          <p:cNvCxnSpPr>
-            <a:cxnSpLocks/>
-          </p:cNvCxnSpPr>
-          <p:nvPr/>
-        </p:nvCxnSpPr>
-        <p:spPr>
-          <a:xfrm>
-            <a:off x="6948442" y="1064746"/>
-            <a:ext cx="971420" cy="2739909"/>
-          </a:xfrm>
-          <a:prstGeom prst="straightConnector1">
-            <a:avLst/>
-          </a:prstGeom>
-          <a:ln>
-            <a:tailEnd type="triangle"/>
-          </a:ln>
-        </p:spPr>
-        <p:style>
-          <a:lnRef idx="1">
-            <a:schemeClr val="dk1"/>
-          </a:lnRef>
-          <a:fillRef idx="0">
-            <a:schemeClr val="dk1"/>
-          </a:fillRef>
-          <a:effectRef idx="0">
-            <a:schemeClr val="dk1"/>
-          </a:effectRef>
-          <a:fontRef idx="minor">
-            <a:schemeClr val="tx1"/>
-          </a:fontRef>
-        </p:style>
-      </p:cxnSp>
+              <a:t>Example of the deletion dialogue box.</a:t>
+            </a:r>
+          </a:p>
+        </p:txBody>
+      </p:sp>
     </p:spTree>
     <p:extLst>
       <p:ext uri="{BB962C8B-B14F-4D97-AF65-F5344CB8AC3E}">
-        <p14:creationId xmlns:p14="http://schemas.microsoft.com/office/powerpoint/2010/main" val="3864474051"/>
+        <p14:creationId xmlns:p14="http://schemas.microsoft.com/office/powerpoint/2010/main" val="3024553610"/>
       </p:ext>
     </p:extLst>
   </p:cSld>
